--- a/Online Meeting Planner.pptx
+++ b/Online Meeting Planner.pptx
@@ -5,10 +5,10 @@
     <p:sldMasterId id="2147483696" r:id="rId4"/>
   </p:sldMasterIdLst>
   <p:notesMasterIdLst>
-    <p:notesMasterId r:id="rId19"/>
+    <p:notesMasterId r:id="rId20"/>
   </p:notesMasterIdLst>
   <p:handoutMasterIdLst>
-    <p:handoutMasterId r:id="rId20"/>
+    <p:handoutMasterId r:id="rId21"/>
   </p:handoutMasterIdLst>
   <p:sldIdLst>
     <p:sldId id="265" r:id="rId5"/>
@@ -22,9 +22,10 @@
     <p:sldId id="282" r:id="rId13"/>
     <p:sldId id="284" r:id="rId14"/>
     <p:sldId id="285" r:id="rId15"/>
-    <p:sldId id="276" r:id="rId16"/>
-    <p:sldId id="277" r:id="rId17"/>
-    <p:sldId id="278" r:id="rId18"/>
+    <p:sldId id="286" r:id="rId16"/>
+    <p:sldId id="276" r:id="rId17"/>
+    <p:sldId id="277" r:id="rId18"/>
+    <p:sldId id="278" r:id="rId19"/>
   </p:sldIdLst>
   <p:sldSz cx="12192000" cy="6858000"/>
   <p:notesSz cx="6858000" cy="9144000"/>
@@ -7546,6 +7547,114 @@
           <a:p>
             <a:r>
               <a:rPr lang="en-US" altLang="zh-CN" dirty="0"/>
+              <a:t>What we learned</a:t>
+            </a:r>
+            <a:endParaRPr lang="en-US" dirty="0"/>
+          </a:p>
+        </p:txBody>
+      </p:sp>
+      <p:sp>
+        <p:nvSpPr>
+          <p:cNvPr id="3" name="Content Placeholder 2">
+            <a:extLst>
+              <a:ext uri="{FF2B5EF4-FFF2-40B4-BE49-F238E27FC236}">
+                <a16:creationId xmlns:a16="http://schemas.microsoft.com/office/drawing/2014/main" id="{A78CAD4D-304D-4BF0-A690-52B93C91DDCA}"/>
+              </a:ext>
+            </a:extLst>
+          </p:cNvPr>
+          <p:cNvSpPr>
+            <a:spLocks noGrp="1"/>
+          </p:cNvSpPr>
+          <p:nvPr>
+            <p:ph idx="1"/>
+          </p:nvPr>
+        </p:nvSpPr>
+        <p:spPr/>
+        <p:txBody>
+          <a:bodyPr/>
+          <a:lstStyle/>
+          <a:p>
+            <a:r>
+              <a:rPr lang="en-US" altLang="zh-CN" dirty="0"/>
+              <a:t>Positive: Hosting website</a:t>
+            </a:r>
+          </a:p>
+          <a:p>
+            <a:r>
+              <a:rPr lang="en-US" altLang="zh-CN" dirty="0"/>
+              <a:t>Negative: Time management</a:t>
+            </a:r>
+          </a:p>
+          <a:p>
+            <a:endParaRPr lang="en-US" altLang="zh-CN" dirty="0"/>
+          </a:p>
+          <a:p>
+            <a:endParaRPr lang="en-US" altLang="zh-CN" dirty="0"/>
+          </a:p>
+          <a:p>
+            <a:endParaRPr lang="en-US" dirty="0"/>
+          </a:p>
+        </p:txBody>
+      </p:sp>
+    </p:spTree>
+    <p:extLst>
+      <p:ext uri="{BB962C8B-B14F-4D97-AF65-F5344CB8AC3E}">
+        <p14:creationId xmlns:p14="http://schemas.microsoft.com/office/powerpoint/2010/main" val="529746332"/>
+      </p:ext>
+    </p:extLst>
+  </p:cSld>
+  <p:clrMapOvr>
+    <a:masterClrMapping/>
+  </p:clrMapOvr>
+  <mc:AlternateContent xmlns:mc="http://schemas.openxmlformats.org/markup-compatibility/2006" xmlns:p14="http://schemas.microsoft.com/office/powerpoint/2010/main">
+    <mc:Choice Requires="p14">
+      <p:transition spd="med" p14:dur="700">
+        <p:fade/>
+      </p:transition>
+    </mc:Choice>
+    <mc:Fallback xmlns="">
+      <p:transition spd="med">
+        <p:fade/>
+      </p:transition>
+    </mc:Fallback>
+  </mc:AlternateContent>
+</p:sld>
+</file>
+
+<file path=ppt/slides/slide13.xml><?xml version="1.0" encoding="utf-8"?>
+<p:sld xmlns:a="http://schemas.openxmlformats.org/drawingml/2006/main" xmlns:r="http://schemas.openxmlformats.org/officeDocument/2006/relationships" xmlns:p="http://schemas.openxmlformats.org/presentationml/2006/main">
+  <p:cSld>
+    <p:spTree>
+      <p:nvGrpSpPr>
+        <p:cNvPr id="1" name=""/>
+        <p:cNvGrpSpPr/>
+        <p:nvPr/>
+      </p:nvGrpSpPr>
+      <p:grpSpPr>
+        <a:xfrm>
+          <a:off x="0" y="0"/>
+          <a:ext cx="0" cy="0"/>
+          <a:chOff x="0" y="0"/>
+          <a:chExt cx="0" cy="0"/>
+        </a:xfrm>
+      </p:grpSpPr>
+      <p:sp>
+        <p:nvSpPr>
+          <p:cNvPr id="2" name="Title 1" title="Title and Content Layout with Chart"/>
+          <p:cNvSpPr>
+            <a:spLocks noGrp="1"/>
+          </p:cNvSpPr>
+          <p:nvPr>
+            <p:ph type="title"/>
+          </p:nvPr>
+        </p:nvSpPr>
+        <p:spPr/>
+        <p:txBody>
+          <a:bodyPr/>
+          <a:lstStyle/>
+          <a:p>
+            <a:r>
+              <a:rPr lang="en-US" altLang="zh-CN" dirty="0"/>
               <a:t>Demo</a:t>
             </a:r>
             <a:endParaRPr lang="en-US" dirty="0"/>
@@ -7716,7 +7825,7 @@
 </p:sld>
 </file>
 
-<file path=ppt/slides/slide13.xml><?xml version="1.0" encoding="utf-8"?>
+<file path=ppt/slides/slide14.xml><?xml version="1.0" encoding="utf-8"?>
 <p:sld xmlns:a="http://schemas.openxmlformats.org/drawingml/2006/main" xmlns:r="http://schemas.openxmlformats.org/officeDocument/2006/relationships" xmlns:p="http://schemas.openxmlformats.org/presentationml/2006/main">
   <p:cSld>
     <p:spTree>
@@ -7806,7 +7915,7 @@
 </p:sld>
 </file>
 
-<file path=ppt/slides/slide14.xml><?xml version="1.0" encoding="utf-8"?>
+<file path=ppt/slides/slide15.xml><?xml version="1.0" encoding="utf-8"?>
 <p:sld xmlns:a="http://schemas.openxmlformats.org/drawingml/2006/main" xmlns:r="http://schemas.openxmlformats.org/officeDocument/2006/relationships" xmlns:p="http://schemas.openxmlformats.org/presentationml/2006/main">
   <p:cSld>
     <p:spTree>
@@ -14016,6 +14125,15 @@
 </file>
 
 <file path=customXml/item1.xml><?xml version="1.0" encoding="utf-8"?>
+<?mso-contentType ?>
+<FormTemplates xmlns="http://schemas.microsoft.com/sharepoint/v3/contenttype/forms">
+  <Display>DocumentLibraryForm</Display>
+  <Edit>DocumentLibraryForm</Edit>
+  <New>DocumentLibraryForm</New>
+</FormTemplates>
+</file>
+
+<file path=customXml/item2.xml><?xml version="1.0" encoding="utf-8"?>
 <p:properties xmlns:p="http://schemas.microsoft.com/office/2006/metadata/properties" xmlns:xsi="http://www.w3.org/2001/XMLSchema-instance" xmlns:pc="http://schemas.microsoft.com/office/infopath/2007/PartnerControls">
   <documentManagement>
     <VSO_x0020_item_x0020_id xmlns="40262f94-9f35-4ac3-9a90-690165a166b7" xsi:nil="true"/>
@@ -14024,15 +14142,6 @@
     <Template_x0020_details xmlns="40262f94-9f35-4ac3-9a90-690165a166b7" xsi:nil="true"/>
   </documentManagement>
 </p:properties>
-</file>
-
-<file path=customXml/item2.xml><?xml version="1.0" encoding="utf-8"?>
-<?mso-contentType ?>
-<FormTemplates xmlns="http://schemas.microsoft.com/sharepoint/v3/contenttype/forms">
-  <Display>DocumentLibraryForm</Display>
-  <Edit>DocumentLibraryForm</Edit>
-  <New>DocumentLibraryForm</New>
-</FormTemplates>
 </file>
 
 <file path=customXml/item3.xml><?xml version="1.0" encoding="utf-8"?>
@@ -14217,6 +14326,14 @@
 </file>
 
 <file path=customXml/itemProps1.xml><?xml version="1.0" encoding="utf-8"?>
+<ds:datastoreItem xmlns:ds="http://schemas.openxmlformats.org/officeDocument/2006/customXml" ds:itemID="{B024FD56-CE1B-42FC-9E83-BFBF160724C6}">
+  <ds:schemaRefs>
+    <ds:schemaRef ds:uri="http://schemas.microsoft.com/sharepoint/v3/contenttype/forms"/>
+  </ds:schemaRefs>
+</ds:datastoreItem>
+</file>
+
+<file path=customXml/itemProps2.xml><?xml version="1.0" encoding="utf-8"?>
 <ds:datastoreItem xmlns:ds="http://schemas.openxmlformats.org/officeDocument/2006/customXml" ds:itemID="{DEDD01B8-816B-49B7-8C81-03AB51D87C54}">
   <ds:schemaRefs>
     <ds:schemaRef ds:uri="http://schemas.microsoft.com/office/2006/documentManagement/types"/>
@@ -14229,14 +14346,6 @@
     <ds:schemaRef ds:uri="40262f94-9f35-4ac3-9a90-690165a166b7"/>
     <ds:schemaRef ds:uri="a4f35948-e619-41b3-aa29-22878b09cfd2"/>
     <ds:schemaRef ds:uri="http://www.w3.org/XML/1998/namespace"/>
-  </ds:schemaRefs>
-</ds:datastoreItem>
-</file>
-
-<file path=customXml/itemProps2.xml><?xml version="1.0" encoding="utf-8"?>
-<ds:datastoreItem xmlns:ds="http://schemas.openxmlformats.org/officeDocument/2006/customXml" ds:itemID="{B024FD56-CE1B-42FC-9E83-BFBF160724C6}">
-  <ds:schemaRefs>
-    <ds:schemaRef ds:uri="http://schemas.microsoft.com/sharepoint/v3/contenttype/forms"/>
   </ds:schemaRefs>
 </ds:datastoreItem>
 </file>

--- a/Online Meeting Planner.pptx
+++ b/Online Meeting Planner.pptx
@@ -5,10 +5,10 @@
     <p:sldMasterId id="2147483696" r:id="rId4"/>
   </p:sldMasterIdLst>
   <p:notesMasterIdLst>
-    <p:notesMasterId r:id="rId20"/>
+    <p:notesMasterId r:id="rId19"/>
   </p:notesMasterIdLst>
   <p:handoutMasterIdLst>
-    <p:handoutMasterId r:id="rId21"/>
+    <p:handoutMasterId r:id="rId20"/>
   </p:handoutMasterIdLst>
   <p:sldIdLst>
     <p:sldId id="265" r:id="rId5"/>
@@ -20,12 +20,11 @@
     <p:sldId id="273" r:id="rId11"/>
     <p:sldId id="279" r:id="rId12"/>
     <p:sldId id="282" r:id="rId13"/>
-    <p:sldId id="284" r:id="rId14"/>
-    <p:sldId id="285" r:id="rId15"/>
-    <p:sldId id="286" r:id="rId16"/>
-    <p:sldId id="276" r:id="rId17"/>
-    <p:sldId id="277" r:id="rId18"/>
-    <p:sldId id="278" r:id="rId19"/>
+    <p:sldId id="287" r:id="rId14"/>
+    <p:sldId id="288" r:id="rId15"/>
+    <p:sldId id="276" r:id="rId16"/>
+    <p:sldId id="277" r:id="rId17"/>
+    <p:sldId id="278" r:id="rId18"/>
   </p:sldIdLst>
   <p:sldSz cx="12192000" cy="6858000"/>
   <p:notesSz cx="6858000" cy="9144000"/>
@@ -7328,7 +7327,7 @@
       </p:grpSpPr>
       <p:sp>
         <p:nvSpPr>
-          <p:cNvPr id="2" name="Title 1" title="Title and Content Layout with Chart"/>
+          <p:cNvPr id="181" name="Shape 181" descr="Title and Content Layout with Chart"/>
           <p:cNvSpPr>
             <a:spLocks noGrp="1"/>
           </p:cNvSpPr>
@@ -7336,78 +7335,129 @@
             <p:ph type="title"/>
           </p:nvPr>
         </p:nvSpPr>
-        <p:spPr/>
+        <p:spPr>
+          <a:xfrm>
+            <a:off x="1484310" y="685799"/>
+            <a:ext cx="10018715" cy="1752601"/>
+          </a:xfrm>
+          <a:prstGeom prst="rect">
+            <a:avLst/>
+          </a:prstGeom>
+        </p:spPr>
         <p:txBody>
           <a:bodyPr/>
           <a:lstStyle/>
           <a:p>
-            <a:r>
-              <a:rPr lang="en-US" altLang="zh-CN" dirty="0"/>
+            <a:pPr lvl="0">
+              <a:defRPr sz="1800"/>
+            </a:pPr>
+            <a:r>
+              <a:rPr sz="4000"/>
               <a:t>Back end</a:t>
             </a:r>
-            <a:endParaRPr lang="en-US" dirty="0"/>
-          </a:p>
-        </p:txBody>
-      </p:sp>
-      <p:sp>
-        <p:nvSpPr>
-          <p:cNvPr id="3" name="Content Placeholder 2">
-            <a:extLst>
-              <a:ext uri="{FF2B5EF4-FFF2-40B4-BE49-F238E27FC236}">
-                <a16:creationId xmlns:a16="http://schemas.microsoft.com/office/drawing/2014/main" id="{A78CAD4D-304D-4BF0-A690-52B93C91DDCA}"/>
-              </a:ext>
-            </a:extLst>
-          </p:cNvPr>
+          </a:p>
+        </p:txBody>
+      </p:sp>
+      <p:sp>
+        <p:nvSpPr>
+          <p:cNvPr id="182" name="Shape 182"/>
           <p:cNvSpPr>
             <a:spLocks noGrp="1"/>
           </p:cNvSpPr>
           <p:nvPr>
-            <p:ph idx="1"/>
+            <p:ph type="body" idx="1"/>
           </p:nvPr>
         </p:nvSpPr>
-        <p:spPr/>
+        <p:spPr>
+          <a:xfrm>
+            <a:off x="1484309" y="2666999"/>
+            <a:ext cx="10018715" cy="3124202"/>
+          </a:xfrm>
+          <a:prstGeom prst="rect">
+            <a:avLst/>
+          </a:prstGeom>
+        </p:spPr>
         <p:txBody>
           <a:bodyPr/>
           <a:lstStyle/>
           <a:p>
-            <a:endParaRPr lang="en-US" altLang="zh-CN" dirty="0"/>
-          </a:p>
-          <a:p>
-            <a:endParaRPr lang="en-US" altLang="zh-CN" dirty="0"/>
-          </a:p>
-          <a:p>
-            <a:endParaRPr lang="en-US" altLang="zh-CN" dirty="0"/>
-          </a:p>
-          <a:p>
-            <a:endParaRPr lang="en-US" altLang="zh-CN" dirty="0"/>
-          </a:p>
-          <a:p>
-            <a:endParaRPr lang="en-US" dirty="0"/>
-          </a:p>
-        </p:txBody>
-      </p:sp>
+            <a:pPr lvl="0">
+              <a:defRPr sz="1800"/>
+            </a:pPr>
+            <a:r>
+              <a:rPr sz="2400"/>
+              <a:t>SQL</a:t>
+            </a:r>
+          </a:p>
+          <a:p>
+            <a:pPr lvl="0">
+              <a:defRPr sz="1800"/>
+            </a:pPr>
+            <a:r>
+              <a:rPr sz="2400"/>
+              <a:t>PHP</a:t>
+            </a:r>
+          </a:p>
+          <a:p>
+            <a:pPr lvl="0">
+              <a:defRPr sz="1800"/>
+            </a:pPr>
+            <a:endParaRPr sz="2400"/>
+          </a:p>
+          <a:p>
+            <a:pPr lvl="0">
+              <a:defRPr sz="1800"/>
+            </a:pPr>
+            <a:endParaRPr sz="2400"/>
+          </a:p>
+          <a:p>
+            <a:pPr lvl="0">
+              <a:defRPr sz="1800"/>
+            </a:pPr>
+            <a:endParaRPr sz="2400"/>
+          </a:p>
+        </p:txBody>
+      </p:sp>
+      <p:pic>
+        <p:nvPicPr>
+          <p:cNvPr id="183" name="Screen Shot 2017-12-03 at 7.43.01 PM.png"/>
+          <p:cNvPicPr/>
+          <p:nvPr/>
+        </p:nvPicPr>
+        <p:blipFill>
+          <a:blip r:embed="rId2">
+            <a:extLst/>
+          </a:blip>
+          <a:stretch>
+            <a:fillRect/>
+          </a:stretch>
+        </p:blipFill>
+        <p:spPr>
+          <a:xfrm>
+            <a:off x="4094788" y="2438400"/>
+            <a:ext cx="6149478" cy="2974632"/>
+          </a:xfrm>
+          <a:prstGeom prst="rect">
+            <a:avLst/>
+          </a:prstGeom>
+          <a:ln w="12700">
+            <a:miter lim="400000"/>
+          </a:ln>
+        </p:spPr>
+      </p:pic>
     </p:spTree>
     <p:extLst>
       <p:ext uri="{BB962C8B-B14F-4D97-AF65-F5344CB8AC3E}">
-        <p14:creationId xmlns:p14="http://schemas.microsoft.com/office/powerpoint/2010/main" val="3064963924"/>
+        <p14:creationId xmlns:p14="http://schemas.microsoft.com/office/powerpoint/2010/main" val="1266499430"/>
       </p:ext>
     </p:extLst>
   </p:cSld>
   <p:clrMapOvr>
     <a:masterClrMapping/>
   </p:clrMapOvr>
-  <mc:AlternateContent xmlns:mc="http://schemas.openxmlformats.org/markup-compatibility/2006" xmlns:p14="http://schemas.microsoft.com/office/powerpoint/2010/main">
-    <mc:Choice Requires="p14">
-      <p:transition spd="med" p14:dur="700">
-        <p:fade/>
-      </p:transition>
-    </mc:Choice>
-    <mc:Fallback xmlns="">
-      <p:transition spd="med">
-        <p:fade/>
-      </p:transition>
-    </mc:Fallback>
-  </mc:AlternateContent>
+  <p:transition spd="med">
+    <p:dissolve/>
+  </p:transition>
 </p:sld>
 </file>
 
@@ -7430,7 +7480,7 @@
       </p:grpSpPr>
       <p:sp>
         <p:nvSpPr>
-          <p:cNvPr id="2" name="Title 1" title="Title and Content Layout with Chart"/>
+          <p:cNvPr id="185" name="Shape 185" descr="Title and Content Layout with Chart"/>
           <p:cNvSpPr>
             <a:spLocks noGrp="1"/>
           </p:cNvSpPr>
@@ -7438,190 +7488,100 @@
             <p:ph type="title"/>
           </p:nvPr>
         </p:nvSpPr>
-        <p:spPr/>
+        <p:spPr>
+          <a:xfrm>
+            <a:off x="1484310" y="685799"/>
+            <a:ext cx="10018715" cy="1752601"/>
+          </a:xfrm>
+          <a:prstGeom prst="rect">
+            <a:avLst/>
+          </a:prstGeom>
+        </p:spPr>
         <p:txBody>
           <a:bodyPr/>
           <a:lstStyle/>
           <a:p>
-            <a:r>
-              <a:rPr lang="en-US" altLang="zh-CN" dirty="0"/>
-              <a:t>Back end</a:t>
-            </a:r>
-            <a:endParaRPr lang="en-US" dirty="0"/>
-          </a:p>
-        </p:txBody>
-      </p:sp>
-      <p:sp>
-        <p:nvSpPr>
-          <p:cNvPr id="3" name="Content Placeholder 2">
-            <a:extLst>
-              <a:ext uri="{FF2B5EF4-FFF2-40B4-BE49-F238E27FC236}">
-                <a16:creationId xmlns:a16="http://schemas.microsoft.com/office/drawing/2014/main" id="{A78CAD4D-304D-4BF0-A690-52B93C91DDCA}"/>
-              </a:ext>
-            </a:extLst>
-          </p:cNvPr>
+            <a:pPr lvl="0">
+              <a:defRPr sz="1800"/>
+            </a:pPr>
+            <a:r>
+              <a:rPr sz="4000"/>
+              <a:t>What we learned</a:t>
+            </a:r>
+          </a:p>
+        </p:txBody>
+      </p:sp>
+      <p:sp>
+        <p:nvSpPr>
+          <p:cNvPr id="186" name="Shape 186"/>
           <p:cNvSpPr>
             <a:spLocks noGrp="1"/>
           </p:cNvSpPr>
           <p:nvPr>
-            <p:ph idx="1"/>
+            <p:ph type="body" idx="1"/>
           </p:nvPr>
         </p:nvSpPr>
-        <p:spPr/>
+        <p:spPr>
+          <a:xfrm>
+            <a:off x="1484309" y="2666999"/>
+            <a:ext cx="10018715" cy="3124202"/>
+          </a:xfrm>
+          <a:prstGeom prst="rect">
+            <a:avLst/>
+          </a:prstGeom>
+        </p:spPr>
         <p:txBody>
           <a:bodyPr/>
           <a:lstStyle/>
           <a:p>
-            <a:endParaRPr lang="en-US" altLang="zh-CN" dirty="0"/>
-          </a:p>
-          <a:p>
-            <a:endParaRPr lang="en-US" altLang="zh-CN" dirty="0"/>
-          </a:p>
-          <a:p>
-            <a:endParaRPr lang="en-US" altLang="zh-CN" dirty="0"/>
-          </a:p>
-          <a:p>
-            <a:endParaRPr lang="en-US" altLang="zh-CN" dirty="0"/>
-          </a:p>
-          <a:p>
-            <a:endParaRPr lang="en-US" dirty="0"/>
+            <a:pPr lvl="0">
+              <a:defRPr sz="1800"/>
+            </a:pPr>
+            <a:r>
+              <a:rPr sz="2400" dirty="0"/>
+              <a:t>Positive: Hosting website, experience with different technologies, version control</a:t>
+            </a:r>
+          </a:p>
+          <a:p>
+            <a:pPr lvl="0">
+              <a:defRPr sz="1800"/>
+            </a:pPr>
+            <a:r>
+              <a:rPr sz="2400" dirty="0"/>
+              <a:t>Negative: Time management</a:t>
+            </a:r>
+          </a:p>
+          <a:p>
+            <a:pPr lvl="0">
+              <a:defRPr sz="1800"/>
+            </a:pPr>
+            <a:endParaRPr sz="2400" dirty="0"/>
+          </a:p>
+          <a:p>
+            <a:pPr lvl="0">
+              <a:defRPr sz="1800"/>
+            </a:pPr>
+            <a:endParaRPr sz="2400" dirty="0"/>
           </a:p>
         </p:txBody>
       </p:sp>
     </p:spTree>
     <p:extLst>
       <p:ext uri="{BB962C8B-B14F-4D97-AF65-F5344CB8AC3E}">
-        <p14:creationId xmlns:p14="http://schemas.microsoft.com/office/powerpoint/2010/main" val="163027981"/>
+        <p14:creationId xmlns:p14="http://schemas.microsoft.com/office/powerpoint/2010/main" val="2131304666"/>
       </p:ext>
     </p:extLst>
   </p:cSld>
   <p:clrMapOvr>
     <a:masterClrMapping/>
   </p:clrMapOvr>
-  <mc:AlternateContent xmlns:mc="http://schemas.openxmlformats.org/markup-compatibility/2006" xmlns:p14="http://schemas.microsoft.com/office/powerpoint/2010/main">
-    <mc:Choice Requires="p14">
-      <p:transition spd="med" p14:dur="700">
-        <p:fade/>
-      </p:transition>
-    </mc:Choice>
-    <mc:Fallback xmlns="">
-      <p:transition spd="med">
-        <p:fade/>
-      </p:transition>
-    </mc:Fallback>
-  </mc:AlternateContent>
+  <p:transition spd="med">
+    <p:dissolve/>
+  </p:transition>
 </p:sld>
 </file>
 
 <file path=ppt/slides/slide12.xml><?xml version="1.0" encoding="utf-8"?>
-<p:sld xmlns:a="http://schemas.openxmlformats.org/drawingml/2006/main" xmlns:r="http://schemas.openxmlformats.org/officeDocument/2006/relationships" xmlns:p="http://schemas.openxmlformats.org/presentationml/2006/main">
-  <p:cSld>
-    <p:spTree>
-      <p:nvGrpSpPr>
-        <p:cNvPr id="1" name=""/>
-        <p:cNvGrpSpPr/>
-        <p:nvPr/>
-      </p:nvGrpSpPr>
-      <p:grpSpPr>
-        <a:xfrm>
-          <a:off x="0" y="0"/>
-          <a:ext cx="0" cy="0"/>
-          <a:chOff x="0" y="0"/>
-          <a:chExt cx="0" cy="0"/>
-        </a:xfrm>
-      </p:grpSpPr>
-      <p:sp>
-        <p:nvSpPr>
-          <p:cNvPr id="2" name="Title 1" title="Title and Content Layout with Chart"/>
-          <p:cNvSpPr>
-            <a:spLocks noGrp="1"/>
-          </p:cNvSpPr>
-          <p:nvPr>
-            <p:ph type="title"/>
-          </p:nvPr>
-        </p:nvSpPr>
-        <p:spPr/>
-        <p:txBody>
-          <a:bodyPr/>
-          <a:lstStyle/>
-          <a:p>
-            <a:r>
-              <a:rPr lang="en-US" altLang="zh-CN" dirty="0"/>
-              <a:t>What we learned</a:t>
-            </a:r>
-            <a:endParaRPr lang="en-US" dirty="0"/>
-          </a:p>
-        </p:txBody>
-      </p:sp>
-      <p:sp>
-        <p:nvSpPr>
-          <p:cNvPr id="3" name="Content Placeholder 2">
-            <a:extLst>
-              <a:ext uri="{FF2B5EF4-FFF2-40B4-BE49-F238E27FC236}">
-                <a16:creationId xmlns:a16="http://schemas.microsoft.com/office/drawing/2014/main" id="{A78CAD4D-304D-4BF0-A690-52B93C91DDCA}"/>
-              </a:ext>
-            </a:extLst>
-          </p:cNvPr>
-          <p:cNvSpPr>
-            <a:spLocks noGrp="1"/>
-          </p:cNvSpPr>
-          <p:nvPr>
-            <p:ph idx="1"/>
-          </p:nvPr>
-        </p:nvSpPr>
-        <p:spPr/>
-        <p:txBody>
-          <a:bodyPr/>
-          <a:lstStyle/>
-          <a:p>
-            <a:r>
-              <a:rPr lang="en-US" altLang="zh-CN" dirty="0"/>
-              <a:t>Positive: Hosting website</a:t>
-            </a:r>
-          </a:p>
-          <a:p>
-            <a:r>
-              <a:rPr lang="en-US" altLang="zh-CN" dirty="0"/>
-              <a:t>Negative: Time management</a:t>
-            </a:r>
-          </a:p>
-          <a:p>
-            <a:endParaRPr lang="en-US" altLang="zh-CN" dirty="0"/>
-          </a:p>
-          <a:p>
-            <a:endParaRPr lang="en-US" altLang="zh-CN" dirty="0"/>
-          </a:p>
-          <a:p>
-            <a:endParaRPr lang="en-US" dirty="0"/>
-          </a:p>
-        </p:txBody>
-      </p:sp>
-    </p:spTree>
-    <p:extLst>
-      <p:ext uri="{BB962C8B-B14F-4D97-AF65-F5344CB8AC3E}">
-        <p14:creationId xmlns:p14="http://schemas.microsoft.com/office/powerpoint/2010/main" val="529746332"/>
-      </p:ext>
-    </p:extLst>
-  </p:cSld>
-  <p:clrMapOvr>
-    <a:masterClrMapping/>
-  </p:clrMapOvr>
-  <mc:AlternateContent xmlns:mc="http://schemas.openxmlformats.org/markup-compatibility/2006" xmlns:p14="http://schemas.microsoft.com/office/powerpoint/2010/main">
-    <mc:Choice Requires="p14">
-      <p:transition spd="med" p14:dur="700">
-        <p:fade/>
-      </p:transition>
-    </mc:Choice>
-    <mc:Fallback xmlns="">
-      <p:transition spd="med">
-        <p:fade/>
-      </p:transition>
-    </mc:Fallback>
-  </mc:AlternateContent>
-</p:sld>
-</file>
-
-<file path=ppt/slides/slide13.xml><?xml version="1.0" encoding="utf-8"?>
 <p:sld xmlns:a="http://schemas.openxmlformats.org/drawingml/2006/main" xmlns:r="http://schemas.openxmlformats.org/officeDocument/2006/relationships" xmlns:p="http://schemas.openxmlformats.org/presentationml/2006/main">
   <p:cSld>
     <p:spTree>
@@ -7825,7 +7785,7 @@
 </p:sld>
 </file>
 
-<file path=ppt/slides/slide14.xml><?xml version="1.0" encoding="utf-8"?>
+<file path=ppt/slides/slide13.xml><?xml version="1.0" encoding="utf-8"?>
 <p:sld xmlns:a="http://schemas.openxmlformats.org/drawingml/2006/main" xmlns:r="http://schemas.openxmlformats.org/officeDocument/2006/relationships" xmlns:p="http://schemas.openxmlformats.org/presentationml/2006/main">
   <p:cSld>
     <p:spTree>
@@ -7915,7 +7875,7 @@
 </p:sld>
 </file>
 
-<file path=ppt/slides/slide15.xml><?xml version="1.0" encoding="utf-8"?>
+<file path=ppt/slides/slide14.xml><?xml version="1.0" encoding="utf-8"?>
 <p:sld xmlns:a="http://schemas.openxmlformats.org/drawingml/2006/main" xmlns:r="http://schemas.openxmlformats.org/officeDocument/2006/relationships" xmlns:p="http://schemas.openxmlformats.org/presentationml/2006/main">
   <p:cSld>
     <p:spTree>
@@ -14125,15 +14085,6 @@
 </file>
 
 <file path=customXml/item1.xml><?xml version="1.0" encoding="utf-8"?>
-<?mso-contentType ?>
-<FormTemplates xmlns="http://schemas.microsoft.com/sharepoint/v3/contenttype/forms">
-  <Display>DocumentLibraryForm</Display>
-  <Edit>DocumentLibraryForm</Edit>
-  <New>DocumentLibraryForm</New>
-</FormTemplates>
-</file>
-
-<file path=customXml/item2.xml><?xml version="1.0" encoding="utf-8"?>
 <p:properties xmlns:p="http://schemas.microsoft.com/office/2006/metadata/properties" xmlns:xsi="http://www.w3.org/2001/XMLSchema-instance" xmlns:pc="http://schemas.microsoft.com/office/infopath/2007/PartnerControls">
   <documentManagement>
     <VSO_x0020_item_x0020_id xmlns="40262f94-9f35-4ac3-9a90-690165a166b7" xsi:nil="true"/>
@@ -14142,6 +14093,15 @@
     <Template_x0020_details xmlns="40262f94-9f35-4ac3-9a90-690165a166b7" xsi:nil="true"/>
   </documentManagement>
 </p:properties>
+</file>
+
+<file path=customXml/item2.xml><?xml version="1.0" encoding="utf-8"?>
+<?mso-contentType ?>
+<FormTemplates xmlns="http://schemas.microsoft.com/sharepoint/v3/contenttype/forms">
+  <Display>DocumentLibraryForm</Display>
+  <Edit>DocumentLibraryForm</Edit>
+  <New>DocumentLibraryForm</New>
+</FormTemplates>
 </file>
 
 <file path=customXml/item3.xml><?xml version="1.0" encoding="utf-8"?>
@@ -14326,14 +14286,6 @@
 </file>
 
 <file path=customXml/itemProps1.xml><?xml version="1.0" encoding="utf-8"?>
-<ds:datastoreItem xmlns:ds="http://schemas.openxmlformats.org/officeDocument/2006/customXml" ds:itemID="{B024FD56-CE1B-42FC-9E83-BFBF160724C6}">
-  <ds:schemaRefs>
-    <ds:schemaRef ds:uri="http://schemas.microsoft.com/sharepoint/v3/contenttype/forms"/>
-  </ds:schemaRefs>
-</ds:datastoreItem>
-</file>
-
-<file path=customXml/itemProps2.xml><?xml version="1.0" encoding="utf-8"?>
 <ds:datastoreItem xmlns:ds="http://schemas.openxmlformats.org/officeDocument/2006/customXml" ds:itemID="{DEDD01B8-816B-49B7-8C81-03AB51D87C54}">
   <ds:schemaRefs>
     <ds:schemaRef ds:uri="http://schemas.microsoft.com/office/2006/documentManagement/types"/>
@@ -14346,6 +14298,14 @@
     <ds:schemaRef ds:uri="40262f94-9f35-4ac3-9a90-690165a166b7"/>
     <ds:schemaRef ds:uri="a4f35948-e619-41b3-aa29-22878b09cfd2"/>
     <ds:schemaRef ds:uri="http://www.w3.org/XML/1998/namespace"/>
+  </ds:schemaRefs>
+</ds:datastoreItem>
+</file>
+
+<file path=customXml/itemProps2.xml><?xml version="1.0" encoding="utf-8"?>
+<ds:datastoreItem xmlns:ds="http://schemas.openxmlformats.org/officeDocument/2006/customXml" ds:itemID="{B024FD56-CE1B-42FC-9E83-BFBF160724C6}">
+  <ds:schemaRefs>
+    <ds:schemaRef ds:uri="http://schemas.microsoft.com/sharepoint/v3/contenttype/forms"/>
   </ds:schemaRefs>
 </ds:datastoreItem>
 </file>
